--- a/Chapter Presentation/Chapter 1 - Eng Design Process.pptx
+++ b/Chapter Presentation/Chapter 1 - Eng Design Process.pptx
@@ -153,6 +153,22 @@
       </a:defRPr>
     </a:lvl9pPr>
   </p:defaultTextStyle>
+  <p:extLst>
+    <p:ext uri="{EFAFB233-063F-42B5-8137-9DF3F51BA10A}">
+      <p15:sldGuideLst xmlns:p15="http://schemas.microsoft.com/office/powerpoint/2012/main">
+        <p15:guide id="1" orient="horz" pos="2160">
+          <p15:clr>
+            <a:srgbClr val="A4A3A4"/>
+          </p15:clr>
+        </p15:guide>
+        <p15:guide id="2" pos="2880">
+          <p15:clr>
+            <a:srgbClr val="A4A3A4"/>
+          </p15:clr>
+        </p15:guide>
+      </p15:sldGuideLst>
+    </p:ext>
+  </p:extLst>
 </p:presentation>
 </file>
 
@@ -343,35 +359,35 @@
           <a:p>
             <a:pPr lvl="0"/>
             <a:r>
-              <a:rPr lang="en-US" noProof="0" smtClean="0"/>
+              <a:rPr lang="en-US" noProof="0"/>
               <a:t>Click to edit Master text styles</a:t>
             </a:r>
           </a:p>
           <a:p>
             <a:pPr lvl="1"/>
             <a:r>
-              <a:rPr lang="en-US" noProof="0" smtClean="0"/>
+              <a:rPr lang="en-US" noProof="0"/>
               <a:t>Second level</a:t>
             </a:r>
           </a:p>
           <a:p>
             <a:pPr lvl="2"/>
             <a:r>
-              <a:rPr lang="en-US" noProof="0" smtClean="0"/>
+              <a:rPr lang="en-US" noProof="0"/>
               <a:t>Third level</a:t>
             </a:r>
           </a:p>
           <a:p>
             <a:pPr lvl="3"/>
             <a:r>
-              <a:rPr lang="en-US" noProof="0" smtClean="0"/>
+              <a:rPr lang="en-US" noProof="0"/>
               <a:t>Fourth level</a:t>
             </a:r>
           </a:p>
           <a:p>
             <a:pPr lvl="4"/>
             <a:r>
-              <a:rPr lang="en-US" noProof="0" smtClean="0"/>
+              <a:rPr lang="en-US" noProof="0"/>
               <a:t>Fifth level</a:t>
             </a:r>
           </a:p>
@@ -608,6 +624,96 @@
 </p:notesMaster>
 </file>
 
+<file path=ppt/notesSlides/notesSlide1.xml><?xml version="1.0" encoding="utf-8"?>
+<p:notes xmlns:a="http://schemas.openxmlformats.org/drawingml/2006/main" xmlns:r="http://schemas.openxmlformats.org/officeDocument/2006/relationships" xmlns:p="http://schemas.openxmlformats.org/presentationml/2006/main">
+  <p:cSld>
+    <p:spTree>
+      <p:nvGrpSpPr>
+        <p:cNvPr id="1" name=""/>
+        <p:cNvGrpSpPr/>
+        <p:nvPr/>
+      </p:nvGrpSpPr>
+      <p:grpSpPr>
+        <a:xfrm>
+          <a:off x="0" y="0"/>
+          <a:ext cx="0" cy="0"/>
+          <a:chOff x="0" y="0"/>
+          <a:chExt cx="0" cy="0"/>
+        </a:xfrm>
+      </p:grpSpPr>
+      <p:sp>
+        <p:nvSpPr>
+          <p:cNvPr id="2" name="Slide Image Placeholder 1"/>
+          <p:cNvSpPr>
+            <a:spLocks noGrp="1" noRot="1" noChangeAspect="1"/>
+          </p:cNvSpPr>
+          <p:nvPr>
+            <p:ph type="sldImg"/>
+          </p:nvPr>
+        </p:nvSpPr>
+        <p:spPr/>
+      </p:sp>
+      <p:sp>
+        <p:nvSpPr>
+          <p:cNvPr id="3" name="Notes Placeholder 2"/>
+          <p:cNvSpPr>
+            <a:spLocks noGrp="1"/>
+          </p:cNvSpPr>
+          <p:nvPr>
+            <p:ph type="body" idx="1"/>
+          </p:nvPr>
+        </p:nvSpPr>
+        <p:spPr/>
+        <p:txBody>
+          <a:bodyPr/>
+          <a:lstStyle/>
+          <a:p>
+            <a:endParaRPr lang="en-US" dirty="0"/>
+          </a:p>
+        </p:txBody>
+      </p:sp>
+      <p:sp>
+        <p:nvSpPr>
+          <p:cNvPr id="4" name="Slide Number Placeholder 3"/>
+          <p:cNvSpPr>
+            <a:spLocks noGrp="1"/>
+          </p:cNvSpPr>
+          <p:nvPr>
+            <p:ph type="sldNum" sz="quarter" idx="5"/>
+          </p:nvPr>
+        </p:nvSpPr>
+        <p:spPr/>
+        <p:txBody>
+          <a:bodyPr/>
+          <a:lstStyle/>
+          <a:p>
+            <a:pPr>
+              <a:defRPr/>
+            </a:pPr>
+            <a:fld id="{EBA20193-ADFB-4153-AA91-6F9C528E7E6A}" type="slidenum">
+              <a:rPr lang="en-US" smtClean="0"/>
+              <a:pPr>
+                <a:defRPr/>
+              </a:pPr>
+              <a:t>2</a:t>
+            </a:fld>
+            <a:endParaRPr lang="en-US"/>
+          </a:p>
+        </p:txBody>
+      </p:sp>
+    </p:spTree>
+    <p:extLst>
+      <p:ext uri="{BB962C8B-B14F-4D97-AF65-F5344CB8AC3E}">
+        <p14:creationId xmlns:p14="http://schemas.microsoft.com/office/powerpoint/2010/main" val="368856963"/>
+      </p:ext>
+    </p:extLst>
+  </p:cSld>
+  <p:clrMapOvr>
+    <a:masterClrMapping/>
+  </p:clrMapOvr>
+</p:notes>
+</file>
+
 <file path=ppt/slideLayouts/slideLayout1.xml><?xml version="1.0" encoding="utf-8"?>
 <p:sldLayout xmlns:a="http://schemas.openxmlformats.org/drawingml/2006/main" xmlns:r="http://schemas.openxmlformats.org/officeDocument/2006/relationships" xmlns:p="http://schemas.openxmlformats.org/presentationml/2006/main" showMasterSp="0" type="title" preserve="1">
   <p:cSld name="Title Slide">
@@ -688,9 +794,7 @@
         </p:style>
         <p:txBody>
           <a:bodyPr anchor="ctr"/>
-          <a:lstStyle>
-            <a:extLst/>
-          </a:lstStyle>
+          <a:lstStyle/>
           <a:p>
             <a:pPr algn="ctr" eaLnBrk="1" hangingPunct="1">
               <a:defRPr/>
@@ -792,9 +896,7 @@
           </p:spPr>
           <p:txBody>
             <a:bodyPr/>
-            <a:lstStyle>
-              <a:extLst/>
-            </a:lstStyle>
+            <a:lstStyle/>
             <a:p>
               <a:pPr>
                 <a:defRPr/>
@@ -877,9 +979,7 @@
           </p:spPr>
           <p:txBody>
             <a:bodyPr/>
-            <a:lstStyle>
-              <a:extLst/>
-            </a:lstStyle>
+            <a:lstStyle/>
             <a:p>
               <a:pPr>
                 <a:defRPr/>
@@ -1039,9 +1139,7 @@
           </p:style>
           <p:txBody>
             <a:bodyPr anchor="ctr"/>
-            <a:lstStyle>
-              <a:extLst/>
-            </a:lstStyle>
+            <a:lstStyle/>
             <a:p>
               <a:pPr algn="ctr" eaLnBrk="1" hangingPunct="1">
                 <a:defRPr/>
@@ -1141,10 +1239,9 @@
           </a:lstStyle>
           <a:p>
             <a:r>
-              <a:rPr lang="en-US" smtClean="0"/>
+              <a:rPr lang="en-US"/>
               <a:t>Click to edit Master title style</a:t>
             </a:r>
-            <a:endParaRPr lang="en-US"/>
           </a:p>
         </p:txBody>
       </p:sp>
@@ -1203,10 +1300,9 @@
           </a:lstStyle>
           <a:p>
             <a:r>
-              <a:rPr lang="en-US" smtClean="0"/>
+              <a:rPr lang="en-US"/>
               <a:t>Click to edit Master subtitle style</a:t>
             </a:r>
-            <a:endParaRPr lang="en-US"/>
           </a:p>
         </p:txBody>
       </p:sp>
@@ -1353,38 +1449,6 @@
           <a:chExt cx="0" cy="0"/>
         </a:xfrm>
       </p:grpSpPr>
-      <p:pic>
-        <p:nvPicPr>
-          <p:cNvPr id="4" name="Picture 10" descr="cover.gif"/>
-          <p:cNvPicPr>
-            <a:picLocks noChangeAspect="1"/>
-          </p:cNvPicPr>
-          <p:nvPr userDrawn="1"/>
-        </p:nvPicPr>
-        <p:blipFill>
-          <a:blip r:embed="rId2"/>
-          <a:srcRect/>
-          <a:stretch>
-            <a:fillRect/>
-          </a:stretch>
-        </p:blipFill>
-        <p:spPr bwMode="auto">
-          <a:xfrm>
-            <a:off x="8458200" y="0"/>
-            <a:ext cx="685800" cy="842963"/>
-          </a:xfrm>
-          <a:prstGeom prst="rect">
-            <a:avLst/>
-          </a:prstGeom>
-          <a:noFill/>
-          <a:ln w="9525">
-            <a:noFill/>
-            <a:miter lim="800000"/>
-            <a:headEnd/>
-            <a:tailEnd/>
-          </a:ln>
-        </p:spPr>
-      </p:pic>
       <p:sp>
         <p:nvSpPr>
           <p:cNvPr id="3" name="Content Placeholder 2"/>
@@ -1398,44 +1462,41 @@
         <p:spPr/>
         <p:txBody>
           <a:bodyPr/>
-          <a:lstStyle>
-            <a:extLst/>
-          </a:lstStyle>
+          <a:lstStyle/>
           <a:p>
             <a:pPr lvl="0"/>
             <a:r>
-              <a:rPr lang="en-US" smtClean="0"/>
+              <a:rPr lang="en-US"/>
               <a:t>Click to edit Master text styles</a:t>
             </a:r>
           </a:p>
           <a:p>
             <a:pPr lvl="1"/>
             <a:r>
-              <a:rPr lang="en-US" smtClean="0"/>
+              <a:rPr lang="en-US"/>
               <a:t>Second level</a:t>
             </a:r>
           </a:p>
           <a:p>
             <a:pPr lvl="2"/>
             <a:r>
-              <a:rPr lang="en-US" smtClean="0"/>
+              <a:rPr lang="en-US"/>
               <a:t>Third level</a:t>
             </a:r>
           </a:p>
           <a:p>
             <a:pPr lvl="3"/>
             <a:r>
-              <a:rPr lang="en-US" smtClean="0"/>
+              <a:rPr lang="en-US"/>
               <a:t>Fourth level</a:t>
             </a:r>
           </a:p>
           <a:p>
             <a:pPr lvl="4"/>
             <a:r>
-              <a:rPr lang="en-US" smtClean="0"/>
+              <a:rPr lang="en-US"/>
               <a:t>Fifth level</a:t>
             </a:r>
-            <a:endParaRPr lang="en-US"/>
           </a:p>
         </p:txBody>
       </p:sp>
@@ -1457,103 +1518,11 @@
         </p:spPr>
         <p:txBody>
           <a:bodyPr rtlCol="0"/>
-          <a:lstStyle>
-            <a:extLst/>
-          </a:lstStyle>
+          <a:lstStyle/>
           <a:p>
             <a:r>
-              <a:rPr lang="en-US" dirty="0" smtClean="0"/>
+              <a:rPr lang="en-US" dirty="0"/>
               <a:t>Click to edit Master title style</a:t>
-            </a:r>
-            <a:endParaRPr lang="en-US" dirty="0"/>
-          </a:p>
-        </p:txBody>
-      </p:sp>
-      <p:sp>
-        <p:nvSpPr>
-          <p:cNvPr id="5" name="Date Placeholder 9"/>
-          <p:cNvSpPr>
-            <a:spLocks noGrp="1"/>
-          </p:cNvSpPr>
-          <p:nvPr>
-            <p:ph type="dt" sz="half" idx="10"/>
-          </p:nvPr>
-        </p:nvSpPr>
-        <p:spPr>
-          <a:xfrm>
-            <a:off x="6324600" y="6408738"/>
-            <a:ext cx="2322513" cy="365125"/>
-          </a:xfrm>
-          <a:prstGeom prst="rect">
-            <a:avLst/>
-          </a:prstGeom>
-        </p:spPr>
-        <p:txBody>
-          <a:bodyPr/>
-          <a:lstStyle>
-            <a:lvl1pPr>
-              <a:defRPr/>
-            </a:lvl1pPr>
-          </a:lstStyle>
-          <a:p>
-            <a:pPr>
-              <a:defRPr/>
-            </a:pPr>
-            <a:endParaRPr lang="en-US"/>
-          </a:p>
-          <a:p>
-            <a:pPr>
-              <a:defRPr/>
-            </a:pPr>
-            <a:r>
-              <a:rPr lang="en-US"/>
-              <a:t>Design for Electrical and Computer Engineers, Published by McGraw-Hill</a:t>
-            </a:r>
-          </a:p>
-        </p:txBody>
-      </p:sp>
-      <p:sp>
-        <p:nvSpPr>
-          <p:cNvPr id="6" name="Footer Placeholder 21"/>
-          <p:cNvSpPr>
-            <a:spLocks noGrp="1"/>
-          </p:cNvSpPr>
-          <p:nvPr>
-            <p:ph type="ftr" sz="quarter" idx="11"/>
-          </p:nvPr>
-        </p:nvSpPr>
-        <p:spPr>
-          <a:xfrm>
-            <a:off x="3886200" y="6408738"/>
-            <a:ext cx="2351088" cy="365125"/>
-          </a:xfrm>
-          <a:prstGeom prst="rect">
-            <a:avLst/>
-          </a:prstGeom>
-        </p:spPr>
-        <p:txBody>
-          <a:bodyPr/>
-          <a:lstStyle>
-            <a:lvl1pPr>
-              <a:defRPr/>
-            </a:lvl1pPr>
-          </a:lstStyle>
-          <a:p>
-            <a:pPr>
-              <a:defRPr/>
-            </a:pPr>
-            <a:r>
-              <a:rPr lang="en-US"/>
-              <a:t>Copyright 2007 </a:t>
-            </a:r>
-          </a:p>
-          <a:p>
-            <a:pPr>
-              <a:defRPr/>
-            </a:pPr>
-            <a:r>
-              <a:rPr lang="en-US"/>
-              <a:t>Ralph M. Ford and Chris Coulston</a:t>
             </a:r>
           </a:p>
         </p:txBody>
@@ -1621,38 +1590,6 @@
           <a:chExt cx="0" cy="0"/>
         </a:xfrm>
       </p:grpSpPr>
-      <p:pic>
-        <p:nvPicPr>
-          <p:cNvPr id="1026" name="Picture 10" descr="copyright.gif"/>
-          <p:cNvPicPr>
-            <a:picLocks noChangeAspect="1"/>
-          </p:cNvPicPr>
-          <p:nvPr userDrawn="1"/>
-        </p:nvPicPr>
-        <p:blipFill>
-          <a:blip r:embed="rId4"/>
-          <a:srcRect/>
-          <a:stretch>
-            <a:fillRect/>
-          </a:stretch>
-        </p:blipFill>
-        <p:spPr bwMode="auto">
-          <a:xfrm>
-            <a:off x="4572000" y="6334125"/>
-            <a:ext cx="4048125" cy="523875"/>
-          </a:xfrm>
-          <a:prstGeom prst="rect">
-            <a:avLst/>
-          </a:prstGeom>
-          <a:noFill/>
-          <a:ln w="9525">
-            <a:noFill/>
-            <a:miter lim="800000"/>
-            <a:headEnd/>
-            <a:tailEnd/>
-          </a:ln>
-        </p:spPr>
-      </p:pic>
       <p:sp>
         <p:nvSpPr>
           <p:cNvPr id="13" name="Freeform 12"/>
@@ -1729,9 +1666,7 @@
         </p:spPr>
         <p:txBody>
           <a:bodyPr/>
-          <a:lstStyle>
-            <a:extLst/>
-          </a:lstStyle>
+          <a:lstStyle/>
           <a:p>
             <a:pPr>
               <a:defRPr/>
@@ -1814,9 +1749,7 @@
         </p:spPr>
         <p:txBody>
           <a:bodyPr/>
-          <a:lstStyle>
-            <a:extLst/>
-          </a:lstStyle>
+          <a:lstStyle/>
           <a:p>
             <a:pPr>
               <a:defRPr/>
@@ -1842,7 +1775,7 @@
             <a:avLst/>
           </a:prstGeom>
           <a:blipFill>
-            <a:blip r:embed="rId5">
+            <a:blip r:embed="rId4">
               <a:alphaModFix amt="50000"/>
             </a:blip>
             <a:tile tx="0" ty="0" sx="50000" sy="50000" flip="none" algn="t"/>
@@ -1927,9 +1860,7 @@
         </p:style>
         <p:txBody>
           <a:bodyPr anchor="ctr"/>
-          <a:lstStyle>
-            <a:extLst/>
-          </a:lstStyle>
+          <a:lstStyle/>
           <a:p>
             <a:pPr algn="ctr" eaLnBrk="1" hangingPunct="1">
               <a:defRPr/>
@@ -2021,15 +1952,12 @@
               <a:bevelT w="25400" h="25400"/>
             </a:sp3d>
           </a:bodyPr>
-          <a:lstStyle>
-            <a:extLst/>
-          </a:lstStyle>
+          <a:lstStyle/>
           <a:p>
             <a:r>
-              <a:rPr lang="en-US" smtClean="0"/>
+              <a:rPr lang="en-US"/>
               <a:t>Click to edit Master title style</a:t>
             </a:r>
-            <a:endParaRPr lang="en-US"/>
           </a:p>
         </p:txBody>
       </p:sp>
@@ -2069,35 +1997,35 @@
           <a:p>
             <a:pPr lvl="0"/>
             <a:r>
-              <a:rPr lang="en-US" smtClean="0"/>
+              <a:rPr lang="en-US"/>
               <a:t>Click to edit Master text styles</a:t>
             </a:r>
           </a:p>
           <a:p>
             <a:pPr lvl="1"/>
             <a:r>
-              <a:rPr lang="en-US" smtClean="0"/>
+              <a:rPr lang="en-US"/>
               <a:t>Second level</a:t>
             </a:r>
           </a:p>
           <a:p>
             <a:pPr lvl="2"/>
             <a:r>
-              <a:rPr lang="en-US" smtClean="0"/>
+              <a:rPr lang="en-US"/>
               <a:t>Third level</a:t>
             </a:r>
           </a:p>
           <a:p>
             <a:pPr lvl="3"/>
             <a:r>
-              <a:rPr lang="en-US" smtClean="0"/>
+              <a:rPr lang="en-US"/>
               <a:t>Fourth level</a:t>
             </a:r>
           </a:p>
           <a:p>
             <a:pPr lvl="4"/>
             <a:r>
-              <a:rPr lang="en-US" smtClean="0"/>
+              <a:rPr lang="en-US"/>
               <a:t>Fifth level</a:t>
             </a:r>
           </a:p>
@@ -2627,52 +2555,11 @@
           </a:p>
         </p:txBody>
       </p:sp>
-      <p:pic>
-        <p:nvPicPr>
-          <p:cNvPr id="4099" name="Picture 6" descr="cover"/>
-          <p:cNvPicPr>
-            <a:picLocks noChangeAspect="1" noChangeArrowheads="1"/>
-          </p:cNvPicPr>
-          <p:nvPr/>
-        </p:nvPicPr>
-        <p:blipFill>
-          <a:blip r:embed="rId2"/>
-          <a:srcRect/>
-          <a:stretch>
-            <a:fillRect/>
-          </a:stretch>
-        </p:blipFill>
-        <p:spPr bwMode="auto">
-          <a:xfrm>
-            <a:off x="838200" y="2667000"/>
-            <a:ext cx="2987675" cy="3673475"/>
-          </a:xfrm>
-          <a:prstGeom prst="rect">
-            <a:avLst/>
-          </a:prstGeom>
-          <a:noFill/>
-          <a:ln w="76200">
-            <a:solidFill>
-              <a:srgbClr val="000000"/>
-            </a:solidFill>
-            <a:miter lim="800000"/>
-            <a:headEnd/>
-            <a:tailEnd/>
-          </a:ln>
-        </p:spPr>
-      </p:pic>
     </p:spTree>
   </p:cSld>
   <p:clrMapOvr>
     <a:masterClrMapping/>
   </p:clrMapOvr>
-  <p:timing>
-    <p:tnLst>
-      <p:par>
-        <p:cTn id="1" dur="indefinite" restart="never" nodeType="tmRoot"/>
-      </p:par>
-    </p:tnLst>
-  </p:timing>
 </p:sld>
 </file>
 
@@ -2718,7 +2605,7 @@
               <a:buNone/>
             </a:pPr>
             <a:r>
-              <a:rPr lang="en-US" smtClean="0"/>
+              <a:rPr lang="en-US"/>
               <a:t>Is this prescriptive or descriptive?</a:t>
             </a:r>
           </a:p>
@@ -2755,7 +2642,7 @@
               <a:pPr/>
               <a:t>10</a:t>
             </a:fld>
-            <a:endParaRPr lang="en-US" smtClean="0"/>
+            <a:endParaRPr lang="en-US"/>
           </a:p>
         </p:txBody>
       </p:sp>
@@ -2824,13 +2711,6 @@
   <p:clrMapOvr>
     <a:masterClrMapping/>
   </p:clrMapOvr>
-  <p:timing>
-    <p:tnLst>
-      <p:par>
-        <p:cTn id="1" dur="indefinite" restart="never" nodeType="tmRoot"/>
-      </p:par>
-    </p:tnLst>
-  </p:timing>
 </p:sld>
 </file>
 
@@ -2876,7 +2756,7 @@
               <a:buNone/>
             </a:pPr>
             <a:r>
-              <a:rPr lang="en-US" smtClean="0"/>
+              <a:rPr lang="en-US"/>
               <a:t>Prescriptive or descriptive?</a:t>
             </a:r>
           </a:p>
@@ -2913,7 +2793,7 @@
               <a:pPr/>
               <a:t>11</a:t>
             </a:fld>
-            <a:endParaRPr lang="en-US" smtClean="0"/>
+            <a:endParaRPr lang="en-US"/>
           </a:p>
         </p:txBody>
       </p:sp>
@@ -2982,13 +2862,6 @@
   <p:clrMapOvr>
     <a:masterClrMapping/>
   </p:clrMapOvr>
-  <p:timing>
-    <p:tnLst>
-      <p:par>
-        <p:cTn id="1" dur="indefinite" restart="never" nodeType="tmRoot"/>
-      </p:par>
-    </p:tnLst>
-  </p:timing>
 </p:sld>
 </file>
 
@@ -3034,7 +2907,7 @@
               <a:buNone/>
             </a:pPr>
             <a:r>
-              <a:rPr lang="en-US" smtClean="0"/>
+              <a:rPr lang="en-US"/>
               <a:t>Prescriptive or descriptive?</a:t>
             </a:r>
           </a:p>
@@ -3071,7 +2944,7 @@
               <a:pPr/>
               <a:t>12</a:t>
             </a:fld>
-            <a:endParaRPr lang="en-US" smtClean="0"/>
+            <a:endParaRPr lang="en-US"/>
           </a:p>
         </p:txBody>
       </p:sp>
@@ -3142,13 +3015,6 @@
   <p:clrMapOvr>
     <a:masterClrMapping/>
   </p:clrMapOvr>
-  <p:timing>
-    <p:tnLst>
-      <p:par>
-        <p:cTn id="1" dur="indefinite" restart="never" nodeType="tmRoot"/>
-      </p:par>
-    </p:tnLst>
-  </p:timing>
 </p:sld>
 </file>
 
@@ -3189,7 +3055,7 @@
               <a:buNone/>
             </a:pPr>
             <a:r>
-              <a:rPr lang="en-US" smtClean="0"/>
+              <a:rPr lang="en-US"/>
               <a:t>What is the value of the design process?</a:t>
             </a:r>
           </a:p>
@@ -3198,21 +3064,21 @@
               <a:buFont typeface="Wingdings" pitchFamily="2" charset="2"/>
               <a:buNone/>
             </a:pPr>
-            <a:endParaRPr lang="en-US" smtClean="0"/>
+            <a:endParaRPr lang="en-US"/>
           </a:p>
           <a:p>
             <a:pPr eaLnBrk="1" hangingPunct="1">
               <a:buFont typeface="Wingdings" pitchFamily="2" charset="2"/>
               <a:buNone/>
             </a:pPr>
-            <a:endParaRPr lang="en-US" smtClean="0"/>
+            <a:endParaRPr lang="en-US"/>
           </a:p>
           <a:p>
             <a:pPr eaLnBrk="1" hangingPunct="1">
               <a:buFont typeface="Wingdings" pitchFamily="2" charset="2"/>
               <a:buNone/>
             </a:pPr>
-            <a:endParaRPr lang="en-US" smtClean="0"/>
+            <a:endParaRPr lang="en-US"/>
           </a:p>
           <a:p>
             <a:pPr eaLnBrk="1" hangingPunct="1">
@@ -3220,7 +3086,7 @@
               <a:buNone/>
             </a:pPr>
             <a:r>
-              <a:rPr lang="en-US" smtClean="0"/>
+              <a:rPr lang="en-US"/>
               <a:t>How much does it cost to correct problems as process proceeds?</a:t>
             </a:r>
           </a:p>
@@ -3257,7 +3123,7 @@
               <a:pPr/>
               <a:t>13</a:t>
             </a:fld>
-            <a:endParaRPr lang="en-US" smtClean="0"/>
+            <a:endParaRPr lang="en-US"/>
           </a:p>
         </p:txBody>
       </p:sp>
@@ -3296,13 +3162,6 @@
   <p:clrMapOvr>
     <a:masterClrMapping/>
   </p:clrMapOvr>
-  <p:timing>
-    <p:tnLst>
-      <p:par>
-        <p:cTn id="1" dur="indefinite" restart="never" nodeType="tmRoot"/>
-      </p:par>
-    </p:tnLst>
-  </p:timing>
 </p:sld>
 </file>
 
@@ -3379,7 +3238,7 @@
               <a:pPr/>
               <a:t>14</a:t>
             </a:fld>
-            <a:endParaRPr lang="en-US" smtClean="0"/>
+            <a:endParaRPr lang="en-US"/>
           </a:p>
         </p:txBody>
       </p:sp>
@@ -3405,10 +3264,9 @@
               <a:defRPr/>
             </a:pPr>
             <a:r>
-              <a:rPr lang="en-US" smtClean="0"/>
+              <a:rPr lang="en-US"/>
               <a:t>Cost to Implement Changes</a:t>
             </a:r>
-            <a:endParaRPr lang="en-US"/>
           </a:p>
         </p:txBody>
       </p:sp>
@@ -3417,13 +3275,6 @@
   <p:clrMapOvr>
     <a:masterClrMapping/>
   </p:clrMapOvr>
-  <p:timing>
-    <p:tnLst>
-      <p:par>
-        <p:cTn id="1" dur="indefinite" restart="never" nodeType="tmRoot"/>
-      </p:par>
-    </p:tnLst>
-  </p:timing>
 </p:sld>
 </file>
 
@@ -3461,48 +3312,48 @@
           <a:p>
             <a:pPr eaLnBrk="1" hangingPunct="1"/>
             <a:r>
-              <a:rPr lang="en-US" sz="3200" smtClean="0"/>
+              <a:rPr lang="en-US" sz="3200"/>
               <a:t>Problem ID &amp; customer needs (Ch 2)</a:t>
             </a:r>
           </a:p>
           <a:p>
             <a:pPr eaLnBrk="1" hangingPunct="1"/>
             <a:r>
-              <a:rPr lang="en-US" sz="3200" smtClean="0"/>
+              <a:rPr lang="en-US" sz="3200"/>
               <a:t>Research/Problem Analysis (Ch 2)</a:t>
             </a:r>
           </a:p>
           <a:p>
             <a:pPr eaLnBrk="1" hangingPunct="1"/>
             <a:r>
-              <a:rPr lang="en-US" sz="3200" smtClean="0"/>
+              <a:rPr lang="en-US" sz="3200"/>
               <a:t>Requirements Specification (Ch 3)</a:t>
             </a:r>
           </a:p>
           <a:p>
             <a:pPr eaLnBrk="1" hangingPunct="1"/>
             <a:r>
-              <a:rPr lang="en-US" sz="3200" smtClean="0"/>
+              <a:rPr lang="en-US" sz="3200"/>
               <a:t>Concept Generation &amp; Evaluation (Ch 4)</a:t>
             </a:r>
           </a:p>
           <a:p>
             <a:pPr eaLnBrk="1" hangingPunct="1"/>
             <a:r>
-              <a:rPr lang="en-US" sz="3200" smtClean="0"/>
+              <a:rPr lang="en-US" sz="3200"/>
               <a:t>Design Phase (Ch 5, 6, &amp; 8)</a:t>
             </a:r>
           </a:p>
           <a:p>
             <a:pPr eaLnBrk="1" hangingPunct="1"/>
             <a:r>
-              <a:rPr lang="en-US" sz="3200" smtClean="0"/>
+              <a:rPr lang="en-US" sz="3200"/>
               <a:t> Prototype, Construct, &amp; Test (Ch 7)</a:t>
             </a:r>
           </a:p>
           <a:p>
             <a:pPr eaLnBrk="1" hangingPunct="1"/>
-            <a:endParaRPr lang="en-US" smtClean="0"/>
+            <a:endParaRPr lang="en-US"/>
           </a:p>
         </p:txBody>
       </p:sp>
@@ -3537,7 +3388,7 @@
               <a:pPr/>
               <a:t>15</a:t>
             </a:fld>
-            <a:endParaRPr lang="en-US" smtClean="0"/>
+            <a:endParaRPr lang="en-US"/>
           </a:p>
         </p:txBody>
       </p:sp>
@@ -3574,13 +3425,6 @@
   <p:clrMapOvr>
     <a:masterClrMapping/>
   </p:clrMapOvr>
-  <p:timing>
-    <p:tnLst>
-      <p:par>
-        <p:cTn id="1" dur="indefinite" restart="never" nodeType="tmRoot"/>
-      </p:par>
-    </p:tnLst>
-  </p:timing>
 </p:sld>
 </file>
 
@@ -3617,13 +3461,13 @@
           <a:lstStyle/>
           <a:p>
             <a:r>
-              <a:rPr lang="en-US" sz="3200" smtClean="0"/>
+              <a:rPr lang="en-US" sz="3200"/>
               <a:t>Penn State World-Class Engineer Description.</a:t>
             </a:r>
           </a:p>
           <a:p>
             <a:r>
-              <a:rPr lang="en-US" sz="3200" smtClean="0"/>
+              <a:rPr lang="en-US" sz="3200"/>
               <a:t>Overview of the book.</a:t>
             </a:r>
           </a:p>
@@ -3648,10 +3492,9 @@
               <a:defRPr/>
             </a:pPr>
             <a:r>
-              <a:rPr lang="en-US" smtClean="0"/>
+              <a:rPr lang="en-US"/>
               <a:t>Other material in the Chapter</a:t>
             </a:r>
-            <a:endParaRPr lang="en-US"/>
           </a:p>
         </p:txBody>
       </p:sp>
@@ -3686,7 +3529,7 @@
               <a:pPr/>
               <a:t>16</a:t>
             </a:fld>
-            <a:endParaRPr lang="en-US" smtClean="0"/>
+            <a:endParaRPr lang="en-US"/>
           </a:p>
         </p:txBody>
       </p:sp>
@@ -3695,13 +3538,6 @@
   <p:clrMapOvr>
     <a:masterClrMapping/>
   </p:clrMapOvr>
-  <p:timing>
-    <p:tnLst>
-      <p:par>
-        <p:cTn id="1" dur="indefinite" restart="never" nodeType="tmRoot"/>
-      </p:par>
-    </p:tnLst>
-  </p:timing>
 </p:sld>
 </file>
 
@@ -3739,28 +3575,28 @@
           <a:p>
             <a:pPr eaLnBrk="1" hangingPunct="1"/>
             <a:r>
-              <a:rPr lang="en-US" sz="3200" smtClean="0"/>
+              <a:rPr lang="en-US" sz="3200"/>
               <a:t>Engineering design is an iterative process.</a:t>
             </a:r>
           </a:p>
           <a:p>
             <a:pPr eaLnBrk="1" hangingPunct="1"/>
             <a:r>
-              <a:rPr lang="en-US" sz="3200" smtClean="0"/>
+              <a:rPr lang="en-US" sz="3200"/>
               <a:t>Design problems are open-ended with many potential solutions.</a:t>
             </a:r>
           </a:p>
           <a:p>
             <a:pPr eaLnBrk="1" hangingPunct="1"/>
             <a:r>
-              <a:rPr lang="en-US" sz="3200" smtClean="0"/>
+              <a:rPr lang="en-US" sz="3200"/>
               <a:t>Design processes represent best practices for realizing a system.</a:t>
             </a:r>
           </a:p>
           <a:p>
             <a:pPr eaLnBrk="1" hangingPunct="1"/>
             <a:r>
-              <a:rPr lang="en-US" sz="3200" smtClean="0"/>
+              <a:rPr lang="en-US" sz="3200"/>
               <a:t>Design processes may be prescriptive or descriptive.</a:t>
             </a:r>
           </a:p>
@@ -3797,7 +3633,7 @@
               <a:pPr/>
               <a:t>17</a:t>
             </a:fld>
-            <a:endParaRPr lang="en-US" smtClean="0"/>
+            <a:endParaRPr lang="en-US"/>
           </a:p>
         </p:txBody>
       </p:sp>
@@ -3834,13 +3670,6 @@
   <p:clrMapOvr>
     <a:masterClrMapping/>
   </p:clrMapOvr>
-  <p:timing>
-    <p:tnLst>
-      <p:par>
-        <p:cTn id="1" dur="indefinite" restart="never" nodeType="tmRoot"/>
-      </p:par>
-    </p:tnLst>
-  </p:timing>
 </p:sld>
 </file>
 
@@ -3880,10 +3709,34 @@
             <a:tbl>
               <a:tblPr/>
               <a:tblGrid>
-                <a:gridCol w="2058249"/>
-                <a:gridCol w="2056551"/>
-                <a:gridCol w="2058249"/>
-                <a:gridCol w="2056550"/>
+                <a:gridCol w="2058249">
+                  <a:extLst>
+                    <a:ext uri="{9D8B030D-6E8A-4147-A177-3AD203B41FA5}">
+                      <a16:colId xmlns:a16="http://schemas.microsoft.com/office/drawing/2014/main" val="20000"/>
+                    </a:ext>
+                  </a:extLst>
+                </a:gridCol>
+                <a:gridCol w="2056551">
+                  <a:extLst>
+                    <a:ext uri="{9D8B030D-6E8A-4147-A177-3AD203B41FA5}">
+                      <a16:colId xmlns:a16="http://schemas.microsoft.com/office/drawing/2014/main" val="20001"/>
+                    </a:ext>
+                  </a:extLst>
+                </a:gridCol>
+                <a:gridCol w="2058249">
+                  <a:extLst>
+                    <a:ext uri="{9D8B030D-6E8A-4147-A177-3AD203B41FA5}">
+                      <a16:colId xmlns:a16="http://schemas.microsoft.com/office/drawing/2014/main" val="20002"/>
+                    </a:ext>
+                  </a:extLst>
+                </a:gridCol>
+                <a:gridCol w="2056550">
+                  <a:extLst>
+                    <a:ext uri="{9D8B030D-6E8A-4147-A177-3AD203B41FA5}">
+                      <a16:colId xmlns:a16="http://schemas.microsoft.com/office/drawing/2014/main" val="20003"/>
+                    </a:ext>
+                  </a:extLst>
+                </a:gridCol>
               </a:tblGrid>
               <a:tr h="554383">
                 <a:tc>
@@ -3909,7 +3762,7 @@
                         <a:buNone/>
                         <a:tabLst/>
                       </a:pPr>
-                      <a:endParaRPr kumimoji="0" lang="en-US" sz="1600" b="1" i="0" u="none" strike="noStrike" cap="none" normalizeH="0" baseline="0" smtClean="0">
+                      <a:endParaRPr kumimoji="0" lang="en-US" sz="1600" b="1" i="0" u="none" strike="noStrike" cap="none" normalizeH="0" baseline="0" dirty="0">
                         <a:ln>
                           <a:noFill/>
                         </a:ln>
@@ -3991,7 +3844,7 @@
                         <a:tabLst/>
                       </a:pPr>
                       <a:r>
-                        <a:rPr kumimoji="0" lang="en-US" sz="1600" b="1" i="0" u="none" strike="noStrike" cap="none" normalizeH="0" baseline="0" smtClean="0">
+                        <a:rPr kumimoji="0" lang="en-US" sz="1600" b="1" i="0" u="none" strike="noStrike" cap="none" normalizeH="0" baseline="0">
                           <a:ln>
                             <a:noFill/>
                           </a:ln>
@@ -4075,7 +3928,7 @@
                         <a:tabLst/>
                       </a:pPr>
                       <a:r>
-                        <a:rPr kumimoji="0" lang="en-US" sz="1600" b="1" i="0" u="none" strike="noStrike" cap="none" normalizeH="0" baseline="0" smtClean="0">
+                        <a:rPr kumimoji="0" lang="en-US" sz="1600" b="1" i="0" u="none" strike="noStrike" cap="none" normalizeH="0" baseline="0">
                           <a:ln>
                             <a:noFill/>
                           </a:ln>
@@ -4159,7 +4012,7 @@
                         <a:tabLst/>
                       </a:pPr>
                       <a:r>
-                        <a:rPr kumimoji="0" lang="en-US" sz="1600" b="1" i="0" u="none" strike="noStrike" cap="none" normalizeH="0" baseline="0" smtClean="0">
+                        <a:rPr kumimoji="0" lang="en-US" sz="1600" b="1" i="0" u="none" strike="noStrike" cap="none" normalizeH="0" baseline="0">
                           <a:ln>
                             <a:noFill/>
                           </a:ln>
@@ -4219,6 +4072,11 @@
                     <a:noFill/>
                   </a:tcPr>
                 </a:tc>
+                <a:extLst>
+                  <a:ext uri="{0D108BD9-81ED-4DB2-BD59-A6C34878D82A}">
+                    <a16:rowId xmlns:a16="http://schemas.microsoft.com/office/drawing/2014/main" val="10000"/>
+                  </a:ext>
+                </a:extLst>
               </a:tr>
               <a:tr h="668431">
                 <a:tc>
@@ -4245,7 +4103,7 @@
                         <a:tabLst/>
                       </a:pPr>
                       <a:r>
-                        <a:rPr kumimoji="0" lang="en-US" sz="1600" b="1" i="0" u="none" strike="noStrike" cap="none" normalizeH="0" baseline="0" smtClean="0">
+                        <a:rPr kumimoji="0" lang="en-US" sz="1600" b="1" i="0" u="none" strike="noStrike" cap="none" normalizeH="0" baseline="0">
                           <a:ln>
                             <a:noFill/>
                           </a:ln>
@@ -4328,7 +4186,7 @@
                         <a:buNone/>
                         <a:tabLst/>
                       </a:pPr>
-                      <a:endParaRPr kumimoji="0" lang="en-US" sz="1600" b="0" i="0" u="none" strike="noStrike" cap="none" normalizeH="0" baseline="0" smtClean="0">
+                      <a:endParaRPr kumimoji="0" lang="en-US" sz="1600" b="0" i="0" u="none" strike="noStrike" cap="none" normalizeH="0" baseline="0">
                         <a:ln>
                           <a:noFill/>
                         </a:ln>
@@ -4409,7 +4267,7 @@
                         <a:buNone/>
                         <a:tabLst/>
                       </a:pPr>
-                      <a:endParaRPr kumimoji="0" lang="en-US" sz="1600" b="0" i="0" u="none" strike="noStrike" cap="none" normalizeH="0" baseline="0" smtClean="0">
+                      <a:endParaRPr kumimoji="0" lang="en-US" sz="1600" b="0" i="0" u="none" strike="noStrike" cap="none" normalizeH="0" baseline="0">
                         <a:ln>
                           <a:noFill/>
                         </a:ln>
@@ -4490,7 +4348,7 @@
                         <a:buNone/>
                         <a:tabLst/>
                       </a:pPr>
-                      <a:endParaRPr kumimoji="0" lang="en-US" sz="1600" b="0" i="0" u="none" strike="noStrike" cap="none" normalizeH="0" baseline="0" smtClean="0">
+                      <a:endParaRPr kumimoji="0" lang="en-US" sz="1600" b="0" i="0" u="none" strike="noStrike" cap="none" normalizeH="0" baseline="0">
                         <a:ln>
                           <a:noFill/>
                         </a:ln>
@@ -4548,6 +4406,11 @@
                     <a:noFill/>
                   </a:tcPr>
                 </a:tc>
+                <a:extLst>
+                  <a:ext uri="{0D108BD9-81ED-4DB2-BD59-A6C34878D82A}">
+                    <a16:rowId xmlns:a16="http://schemas.microsoft.com/office/drawing/2014/main" val="10001"/>
+                  </a:ext>
+                </a:extLst>
               </a:tr>
               <a:tr h="508965">
                 <a:tc>
@@ -4574,7 +4437,7 @@
                         <a:tabLst/>
                       </a:pPr>
                       <a:r>
-                        <a:rPr kumimoji="0" lang="en-US" sz="1600" b="1" i="0" u="none" strike="noStrike" cap="none" normalizeH="0" baseline="0" smtClean="0">
+                        <a:rPr kumimoji="0" lang="en-US" sz="1600" b="1" i="0" u="none" strike="noStrike" cap="none" normalizeH="0" baseline="0">
                           <a:ln>
                             <a:noFill/>
                           </a:ln>
@@ -4657,7 +4520,7 @@
                         <a:buNone/>
                         <a:tabLst/>
                       </a:pPr>
-                      <a:endParaRPr kumimoji="0" lang="en-US" sz="1600" b="0" i="0" u="none" strike="noStrike" cap="none" normalizeH="0" baseline="0" smtClean="0">
+                      <a:endParaRPr kumimoji="0" lang="en-US" sz="1600" b="0" i="0" u="none" strike="noStrike" cap="none" normalizeH="0" baseline="0">
                         <a:ln>
                           <a:noFill/>
                         </a:ln>
@@ -4738,7 +4601,7 @@
                         <a:buNone/>
                         <a:tabLst/>
                       </a:pPr>
-                      <a:endParaRPr kumimoji="0" lang="en-US" sz="1600" b="0" i="0" u="none" strike="noStrike" cap="none" normalizeH="0" baseline="0" smtClean="0">
+                      <a:endParaRPr kumimoji="0" lang="en-US" sz="1600" b="0" i="0" u="none" strike="noStrike" cap="none" normalizeH="0" baseline="0">
                         <a:ln>
                           <a:noFill/>
                         </a:ln>
@@ -4819,7 +4682,7 @@
                         <a:buNone/>
                         <a:tabLst/>
                       </a:pPr>
-                      <a:endParaRPr kumimoji="0" lang="en-US" sz="1600" b="0" i="0" u="none" strike="noStrike" cap="none" normalizeH="0" baseline="0" smtClean="0">
+                      <a:endParaRPr kumimoji="0" lang="en-US" sz="1600" b="0" i="0" u="none" strike="noStrike" cap="none" normalizeH="0" baseline="0">
                         <a:ln>
                           <a:noFill/>
                         </a:ln>
@@ -4877,6 +4740,11 @@
                     <a:noFill/>
                   </a:tcPr>
                 </a:tc>
+                <a:extLst>
+                  <a:ext uri="{0D108BD9-81ED-4DB2-BD59-A6C34878D82A}">
+                    <a16:rowId xmlns:a16="http://schemas.microsoft.com/office/drawing/2014/main" val="10002"/>
+                  </a:ext>
+                </a:extLst>
               </a:tr>
               <a:tr h="495676">
                 <a:tc>
@@ -4903,7 +4771,7 @@
                         <a:tabLst/>
                       </a:pPr>
                       <a:r>
-                        <a:rPr kumimoji="0" lang="en-US" sz="1600" b="1" i="0" u="none" strike="noStrike" cap="none" normalizeH="0" baseline="0" smtClean="0">
+                        <a:rPr kumimoji="0" lang="en-US" sz="1600" b="1" i="0" u="none" strike="noStrike" cap="none" normalizeH="0" baseline="0">
                           <a:ln>
                             <a:noFill/>
                           </a:ln>
@@ -4986,7 +4854,7 @@
                         <a:buNone/>
                         <a:tabLst/>
                       </a:pPr>
-                      <a:endParaRPr kumimoji="0" lang="en-US" sz="1600" b="0" i="0" u="none" strike="noStrike" cap="none" normalizeH="0" baseline="0" smtClean="0">
+                      <a:endParaRPr kumimoji="0" lang="en-US" sz="1600" b="0" i="0" u="none" strike="noStrike" cap="none" normalizeH="0" baseline="0">
                         <a:ln>
                           <a:noFill/>
                         </a:ln>
@@ -5067,7 +4935,7 @@
                         <a:buNone/>
                         <a:tabLst/>
                       </a:pPr>
-                      <a:endParaRPr kumimoji="0" lang="en-US" sz="1600" b="0" i="0" u="none" strike="noStrike" cap="none" normalizeH="0" baseline="0" smtClean="0">
+                      <a:endParaRPr kumimoji="0" lang="en-US" sz="1600" b="0" i="0" u="none" strike="noStrike" cap="none" normalizeH="0" baseline="0">
                         <a:ln>
                           <a:noFill/>
                         </a:ln>
@@ -5148,7 +5016,7 @@
                         <a:buNone/>
                         <a:tabLst/>
                       </a:pPr>
-                      <a:endParaRPr kumimoji="0" lang="en-US" sz="1600" b="0" i="0" u="none" strike="noStrike" cap="none" normalizeH="0" baseline="0" smtClean="0">
+                      <a:endParaRPr kumimoji="0" lang="en-US" sz="1600" b="0" i="0" u="none" strike="noStrike" cap="none" normalizeH="0" baseline="0">
                         <a:ln>
                           <a:noFill/>
                         </a:ln>
@@ -5206,6 +5074,11 @@
                     <a:noFill/>
                   </a:tcPr>
                 </a:tc>
+                <a:extLst>
+                  <a:ext uri="{0D108BD9-81ED-4DB2-BD59-A6C34878D82A}">
+                    <a16:rowId xmlns:a16="http://schemas.microsoft.com/office/drawing/2014/main" val="10003"/>
+                  </a:ext>
+                </a:extLst>
               </a:tr>
               <a:tr h="510293">
                 <a:tc>
@@ -5232,7 +5105,7 @@
                         <a:tabLst/>
                       </a:pPr>
                       <a:r>
-                        <a:rPr kumimoji="0" lang="en-US" sz="1600" b="1" i="0" u="none" strike="noStrike" cap="none" normalizeH="0" baseline="0" smtClean="0">
+                        <a:rPr kumimoji="0" lang="en-US" sz="1600" b="1" i="0" u="none" strike="noStrike" cap="none" normalizeH="0" baseline="0">
                           <a:ln>
                             <a:noFill/>
                           </a:ln>
@@ -5315,7 +5188,7 @@
                         <a:buNone/>
                         <a:tabLst/>
                       </a:pPr>
-                      <a:endParaRPr kumimoji="0" lang="en-US" sz="1600" b="0" i="0" u="none" strike="noStrike" cap="none" normalizeH="0" baseline="0" smtClean="0">
+                      <a:endParaRPr kumimoji="0" lang="en-US" sz="1600" b="0" i="0" u="none" strike="noStrike" cap="none" normalizeH="0" baseline="0">
                         <a:ln>
                           <a:noFill/>
                         </a:ln>
@@ -5396,7 +5269,7 @@
                         <a:buNone/>
                         <a:tabLst/>
                       </a:pPr>
-                      <a:endParaRPr kumimoji="0" lang="en-US" sz="1600" b="0" i="0" u="none" strike="noStrike" cap="none" normalizeH="0" baseline="0" smtClean="0">
+                      <a:endParaRPr kumimoji="0" lang="en-US" sz="1600" b="0" i="0" u="none" strike="noStrike" cap="none" normalizeH="0" baseline="0">
                         <a:ln>
                           <a:noFill/>
                         </a:ln>
@@ -5477,7 +5350,7 @@
                         <a:buNone/>
                         <a:tabLst/>
                       </a:pPr>
-                      <a:endParaRPr kumimoji="0" lang="en-US" sz="1600" b="0" i="0" u="none" strike="noStrike" cap="none" normalizeH="0" baseline="0" smtClean="0">
+                      <a:endParaRPr kumimoji="0" lang="en-US" sz="1600" b="0" i="0" u="none" strike="noStrike" cap="none" normalizeH="0" baseline="0">
                         <a:ln>
                           <a:noFill/>
                         </a:ln>
@@ -5535,6 +5408,11 @@
                     <a:noFill/>
                   </a:tcPr>
                 </a:tc>
+                <a:extLst>
+                  <a:ext uri="{0D108BD9-81ED-4DB2-BD59-A6C34878D82A}">
+                    <a16:rowId xmlns:a16="http://schemas.microsoft.com/office/drawing/2014/main" val="10004"/>
+                  </a:ext>
+                </a:extLst>
               </a:tr>
               <a:tr h="508965">
                 <a:tc>
@@ -5561,7 +5439,7 @@
                         <a:tabLst/>
                       </a:pPr>
                       <a:r>
-                        <a:rPr kumimoji="0" lang="en-US" sz="1600" b="1" i="0" u="none" strike="noStrike" cap="none" normalizeH="0" baseline="0" smtClean="0">
+                        <a:rPr kumimoji="0" lang="en-US" sz="1600" b="1" i="0" u="none" strike="noStrike" cap="none" normalizeH="0" baseline="0">
                           <a:ln>
                             <a:noFill/>
                           </a:ln>
@@ -5644,7 +5522,7 @@
                         <a:buNone/>
                         <a:tabLst/>
                       </a:pPr>
-                      <a:endParaRPr kumimoji="0" lang="en-US" sz="1600" b="0" i="0" u="none" strike="noStrike" cap="none" normalizeH="0" baseline="0" smtClean="0">
+                      <a:endParaRPr kumimoji="0" lang="en-US" sz="1600" b="0" i="0" u="none" strike="noStrike" cap="none" normalizeH="0" baseline="0">
                         <a:ln>
                           <a:noFill/>
                         </a:ln>
@@ -5725,7 +5603,7 @@
                         <a:buNone/>
                         <a:tabLst/>
                       </a:pPr>
-                      <a:endParaRPr kumimoji="0" lang="en-US" sz="1600" b="0" i="0" u="none" strike="noStrike" cap="none" normalizeH="0" baseline="0" smtClean="0">
+                      <a:endParaRPr kumimoji="0" lang="en-US" sz="1600" b="0" i="0" u="none" strike="noStrike" cap="none" normalizeH="0" baseline="0">
                         <a:ln>
                           <a:noFill/>
                         </a:ln>
@@ -5806,7 +5684,7 @@
                         <a:buNone/>
                         <a:tabLst/>
                       </a:pPr>
-                      <a:endParaRPr kumimoji="0" lang="en-US" sz="1600" b="0" i="0" u="none" strike="noStrike" cap="none" normalizeH="0" baseline="0" smtClean="0">
+                      <a:endParaRPr kumimoji="0" lang="en-US" sz="1600" b="0" i="0" u="none" strike="noStrike" cap="none" normalizeH="0" baseline="0">
                         <a:ln>
                           <a:noFill/>
                         </a:ln>
@@ -5864,6 +5742,11 @@
                     <a:noFill/>
                   </a:tcPr>
                 </a:tc>
+                <a:extLst>
+                  <a:ext uri="{0D108BD9-81ED-4DB2-BD59-A6C34878D82A}">
+                    <a16:rowId xmlns:a16="http://schemas.microsoft.com/office/drawing/2014/main" val="10005"/>
+                  </a:ext>
+                </a:extLst>
               </a:tr>
               <a:tr h="508965">
                 <a:tc>
@@ -5890,7 +5773,7 @@
                         <a:tabLst/>
                       </a:pPr>
                       <a:r>
-                        <a:rPr kumimoji="0" lang="en-US" sz="1600" b="1" i="0" u="none" strike="noStrike" cap="none" normalizeH="0" baseline="0" smtClean="0">
+                        <a:rPr kumimoji="0" lang="en-US" sz="1600" b="1" i="0" u="none" strike="noStrike" cap="none" normalizeH="0" baseline="0">
                           <a:ln>
                             <a:noFill/>
                           </a:ln>
@@ -5973,7 +5856,7 @@
                         <a:buNone/>
                         <a:tabLst/>
                       </a:pPr>
-                      <a:endParaRPr kumimoji="0" lang="en-US" sz="1600" b="0" i="0" u="none" strike="noStrike" cap="none" normalizeH="0" baseline="0" smtClean="0">
+                      <a:endParaRPr kumimoji="0" lang="en-US" sz="1600" b="0" i="0" u="none" strike="noStrike" cap="none" normalizeH="0" baseline="0">
                         <a:ln>
                           <a:noFill/>
                         </a:ln>
@@ -6054,7 +5937,7 @@
                         <a:buNone/>
                         <a:tabLst/>
                       </a:pPr>
-                      <a:endParaRPr kumimoji="0" lang="en-US" sz="1600" b="0" i="0" u="none" strike="noStrike" cap="none" normalizeH="0" baseline="0" smtClean="0">
+                      <a:endParaRPr kumimoji="0" lang="en-US" sz="1600" b="0" i="0" u="none" strike="noStrike" cap="none" normalizeH="0" baseline="0">
                         <a:ln>
                           <a:noFill/>
                         </a:ln>
@@ -6135,7 +6018,7 @@
                         <a:buNone/>
                         <a:tabLst/>
                       </a:pPr>
-                      <a:endParaRPr kumimoji="0" lang="en-US" sz="1600" b="0" i="0" u="none" strike="noStrike" cap="none" normalizeH="0" baseline="0" smtClean="0">
+                      <a:endParaRPr kumimoji="0" lang="en-US" sz="1600" b="0" i="0" u="none" strike="noStrike" cap="none" normalizeH="0" baseline="0">
                         <a:ln>
                           <a:noFill/>
                         </a:ln>
@@ -6193,6 +6076,11 @@
                     <a:noFill/>
                   </a:tcPr>
                 </a:tc>
+                <a:extLst>
+                  <a:ext uri="{0D108BD9-81ED-4DB2-BD59-A6C34878D82A}">
+                    <a16:rowId xmlns:a16="http://schemas.microsoft.com/office/drawing/2014/main" val="10006"/>
+                  </a:ext>
+                </a:extLst>
               </a:tr>
               <a:tr h="554383">
                 <a:tc>
@@ -6219,7 +6107,7 @@
                         <a:tabLst/>
                       </a:pPr>
                       <a:r>
-                        <a:rPr kumimoji="0" lang="en-US" sz="1600" b="1" i="0" u="none" strike="noStrike" cap="none" normalizeH="0" baseline="0" smtClean="0">
+                        <a:rPr kumimoji="0" lang="en-US" sz="1600" b="1" i="0" u="none" strike="noStrike" cap="none" normalizeH="0" baseline="0">
                           <a:ln>
                             <a:noFill/>
                           </a:ln>
@@ -6302,7 +6190,7 @@
                         <a:buNone/>
                         <a:tabLst/>
                       </a:pPr>
-                      <a:endParaRPr kumimoji="0" lang="en-US" sz="1600" b="0" i="0" u="none" strike="noStrike" cap="none" normalizeH="0" baseline="0" smtClean="0">
+                      <a:endParaRPr kumimoji="0" lang="en-US" sz="1600" b="0" i="0" u="none" strike="noStrike" cap="none" normalizeH="0" baseline="0">
                         <a:ln>
                           <a:noFill/>
                         </a:ln>
@@ -6383,7 +6271,7 @@
                         <a:buNone/>
                         <a:tabLst/>
                       </a:pPr>
-                      <a:endParaRPr kumimoji="0" lang="en-US" sz="1600" b="0" i="0" u="none" strike="noStrike" cap="none" normalizeH="0" baseline="0" smtClean="0">
+                      <a:endParaRPr kumimoji="0" lang="en-US" sz="1600" b="0" i="0" u="none" strike="noStrike" cap="none" normalizeH="0" baseline="0">
                         <a:ln>
                           <a:noFill/>
                         </a:ln>
@@ -6464,7 +6352,7 @@
                         <a:buNone/>
                         <a:tabLst/>
                       </a:pPr>
-                      <a:endParaRPr kumimoji="0" lang="en-US" sz="1600" b="0" i="0" u="none" strike="noStrike" cap="none" normalizeH="0" baseline="0" dirty="0" smtClean="0">
+                      <a:endParaRPr kumimoji="0" lang="en-US" sz="1600" b="0" i="0" u="none" strike="noStrike" cap="none" normalizeH="0" baseline="0" dirty="0">
                         <a:ln>
                           <a:noFill/>
                         </a:ln>
@@ -6522,6 +6410,11 @@
                     <a:noFill/>
                   </a:tcPr>
                 </a:tc>
+                <a:extLst>
+                  <a:ext uri="{0D108BD9-81ED-4DB2-BD59-A6C34878D82A}">
+                    <a16:rowId xmlns:a16="http://schemas.microsoft.com/office/drawing/2014/main" val="10007"/>
+                  </a:ext>
+                </a:extLst>
               </a:tr>
             </a:tbl>
           </a:graphicData>
@@ -6546,26 +6439,25 @@
               <a:defRPr/>
             </a:pPr>
             <a:r>
-              <a:rPr lang="en-US" sz="3200" dirty="0" smtClean="0"/>
+              <a:rPr lang="en-US" sz="3200" dirty="0"/>
               <a:t>Motivation – Let’s fill in the blanks [Source: </a:t>
             </a:r>
             <a:r>
-              <a:rPr lang="en-US" sz="3200" dirty="0" err="1" smtClean="0"/>
+              <a:rPr lang="en-US" sz="3200" dirty="0" err="1"/>
               <a:t>Ullrich</a:t>
             </a:r>
             <a:r>
-              <a:rPr lang="en-US" sz="3200" dirty="0" smtClean="0"/>
+              <a:rPr lang="en-US" sz="3200" dirty="0"/>
               <a:t> &amp; </a:t>
             </a:r>
             <a:r>
-              <a:rPr lang="en-US" sz="3200" dirty="0" err="1" smtClean="0"/>
+              <a:rPr lang="en-US" sz="3200" dirty="0" err="1"/>
               <a:t>Eppinger</a:t>
             </a:r>
             <a:r>
-              <a:rPr lang="en-US" sz="3200" dirty="0" smtClean="0"/>
+              <a:rPr lang="en-US" sz="3200" dirty="0"/>
               <a:t>]</a:t>
             </a:r>
-            <a:endParaRPr lang="en-US" sz="3200" dirty="0"/>
           </a:p>
         </p:txBody>
       </p:sp>
@@ -6600,7 +6492,7 @@
               <a:pPr/>
               <a:t>2</a:t>
             </a:fld>
-            <a:endParaRPr lang="en-US" smtClean="0"/>
+            <a:endParaRPr lang="en-US"/>
           </a:p>
         </p:txBody>
       </p:sp>
@@ -6609,13 +6501,6 @@
   <p:clrMapOvr>
     <a:masterClrMapping/>
   </p:clrMapOvr>
-  <p:timing>
-    <p:tnLst>
-      <p:par>
-        <p:cTn id="1" dur="indefinite" restart="never" nodeType="tmRoot"/>
-      </p:par>
-    </p:tnLst>
-  </p:timing>
 </p:sld>
 </file>
 
@@ -6655,10 +6540,34 @@
             <a:tbl>
               <a:tblPr/>
               <a:tblGrid>
-                <a:gridCol w="2058249"/>
-                <a:gridCol w="2056551"/>
-                <a:gridCol w="2058249"/>
-                <a:gridCol w="2056550"/>
+                <a:gridCol w="2058249">
+                  <a:extLst>
+                    <a:ext uri="{9D8B030D-6E8A-4147-A177-3AD203B41FA5}">
+                      <a16:colId xmlns:a16="http://schemas.microsoft.com/office/drawing/2014/main" val="20000"/>
+                    </a:ext>
+                  </a:extLst>
+                </a:gridCol>
+                <a:gridCol w="2056551">
+                  <a:extLst>
+                    <a:ext uri="{9D8B030D-6E8A-4147-A177-3AD203B41FA5}">
+                      <a16:colId xmlns:a16="http://schemas.microsoft.com/office/drawing/2014/main" val="20001"/>
+                    </a:ext>
+                  </a:extLst>
+                </a:gridCol>
+                <a:gridCol w="2058249">
+                  <a:extLst>
+                    <a:ext uri="{9D8B030D-6E8A-4147-A177-3AD203B41FA5}">
+                      <a16:colId xmlns:a16="http://schemas.microsoft.com/office/drawing/2014/main" val="20002"/>
+                    </a:ext>
+                  </a:extLst>
+                </a:gridCol>
+                <a:gridCol w="2056550">
+                  <a:extLst>
+                    <a:ext uri="{9D8B030D-6E8A-4147-A177-3AD203B41FA5}">
+                      <a16:colId xmlns:a16="http://schemas.microsoft.com/office/drawing/2014/main" val="20003"/>
+                    </a:ext>
+                  </a:extLst>
+                </a:gridCol>
               </a:tblGrid>
               <a:tr h="566284">
                 <a:tc>
@@ -6684,7 +6593,7 @@
                         <a:buNone/>
                         <a:tabLst/>
                       </a:pPr>
-                      <a:endParaRPr kumimoji="0" lang="en-US" sz="1600" b="1" i="0" u="none" strike="noStrike" cap="none" normalizeH="0" baseline="0" dirty="0" smtClean="0">
+                      <a:endParaRPr kumimoji="0" lang="en-US" sz="1600" b="1" i="0" u="none" strike="noStrike" cap="none" normalizeH="0" baseline="0" dirty="0">
                         <a:ln>
                           <a:noFill/>
                         </a:ln>
@@ -6766,7 +6675,7 @@
                         <a:tabLst/>
                       </a:pPr>
                       <a:r>
-                        <a:rPr kumimoji="0" lang="en-US" sz="1600" b="1" i="0" u="none" strike="noStrike" cap="none" normalizeH="0" baseline="0" smtClean="0">
+                        <a:rPr kumimoji="0" lang="en-US" sz="1600" b="1" i="0" u="none" strike="noStrike" cap="none" normalizeH="0" baseline="0">
                           <a:ln>
                             <a:noFill/>
                           </a:ln>
@@ -6850,7 +6759,7 @@
                         <a:tabLst/>
                       </a:pPr>
                       <a:r>
-                        <a:rPr kumimoji="0" lang="en-US" sz="1600" b="1" i="0" u="none" strike="noStrike" cap="none" normalizeH="0" baseline="0" smtClean="0">
+                        <a:rPr kumimoji="0" lang="en-US" sz="1600" b="1" i="0" u="none" strike="noStrike" cap="none" normalizeH="0" baseline="0">
                           <a:ln>
                             <a:noFill/>
                           </a:ln>
@@ -6934,7 +6843,7 @@
                         <a:tabLst/>
                       </a:pPr>
                       <a:r>
-                        <a:rPr kumimoji="0" lang="en-US" sz="1600" b="1" i="0" u="none" strike="noStrike" cap="none" normalizeH="0" baseline="0" smtClean="0">
+                        <a:rPr kumimoji="0" lang="en-US" sz="1600" b="1" i="0" u="none" strike="noStrike" cap="none" normalizeH="0" baseline="0">
                           <a:ln>
                             <a:noFill/>
                           </a:ln>
@@ -6994,6 +6903,11 @@
                     <a:noFill/>
                   </a:tcPr>
                 </a:tc>
+                <a:extLst>
+                  <a:ext uri="{0D108BD9-81ED-4DB2-BD59-A6C34878D82A}">
+                    <a16:rowId xmlns:a16="http://schemas.microsoft.com/office/drawing/2014/main" val="10000"/>
+                  </a:ext>
+                </a:extLst>
               </a:tr>
               <a:tr h="695282">
                 <a:tc>
@@ -7020,7 +6934,7 @@
                         <a:tabLst/>
                       </a:pPr>
                       <a:r>
-                        <a:rPr kumimoji="0" lang="en-US" sz="1600" b="1" i="0" u="none" strike="noStrike" cap="none" normalizeH="0" baseline="0" smtClean="0">
+                        <a:rPr kumimoji="0" lang="en-US" sz="1600" b="1" i="0" u="none" strike="noStrike" cap="none" normalizeH="0" baseline="0">
                           <a:ln>
                             <a:noFill/>
                           </a:ln>
@@ -7104,7 +7018,7 @@
                         <a:tabLst/>
                       </a:pPr>
                       <a:r>
-                        <a:rPr kumimoji="0" lang="en-US" sz="1800" b="0" i="0" u="none" strike="noStrike" cap="none" normalizeH="0" baseline="0" smtClean="0">
+                        <a:rPr kumimoji="0" lang="en-US" sz="1800" b="0" i="0" u="none" strike="noStrike" cap="none" normalizeH="0" baseline="0">
                           <a:ln>
                             <a:noFill/>
                           </a:ln>
@@ -7188,7 +7102,7 @@
                         <a:tabLst/>
                       </a:pPr>
                       <a:r>
-                        <a:rPr kumimoji="0" lang="en-US" sz="1800" b="0" i="0" u="none" strike="noStrike" cap="none" normalizeH="0" baseline="0" smtClean="0">
+                        <a:rPr kumimoji="0" lang="en-US" sz="1800" b="0" i="0" u="none" strike="noStrike" cap="none" normalizeH="0" baseline="0">
                           <a:ln>
                             <a:noFill/>
                           </a:ln>
@@ -7272,7 +7186,7 @@
                         <a:tabLst/>
                       </a:pPr>
                       <a:r>
-                        <a:rPr kumimoji="0" lang="en-US" sz="1800" b="0" i="0" u="none" strike="noStrike" cap="none" normalizeH="0" baseline="0" smtClean="0">
+                        <a:rPr kumimoji="0" lang="en-US" sz="1800" b="0" i="0" u="none" strike="noStrike" cap="none" normalizeH="0" baseline="0">
                           <a:ln>
                             <a:noFill/>
                           </a:ln>
@@ -7332,6 +7246,11 @@
                     <a:noFill/>
                   </a:tcPr>
                 </a:tc>
+                <a:extLst>
+                  <a:ext uri="{0D108BD9-81ED-4DB2-BD59-A6C34878D82A}">
+                    <a16:rowId xmlns:a16="http://schemas.microsoft.com/office/drawing/2014/main" val="10001"/>
+                  </a:ext>
+                </a:extLst>
               </a:tr>
               <a:tr h="529410">
                 <a:tc>
@@ -7358,7 +7277,7 @@
                         <a:tabLst/>
                       </a:pPr>
                       <a:r>
-                        <a:rPr kumimoji="0" lang="en-US" sz="1600" b="1" i="0" u="none" strike="noStrike" cap="none" normalizeH="0" baseline="0" smtClean="0">
+                        <a:rPr kumimoji="0" lang="en-US" sz="1600" b="1" i="0" u="none" strike="noStrike" cap="none" normalizeH="0" baseline="0">
                           <a:ln>
                             <a:noFill/>
                           </a:ln>
@@ -7442,7 +7361,7 @@
                         <a:tabLst/>
                       </a:pPr>
                       <a:r>
-                        <a:rPr kumimoji="0" lang="en-US" sz="1800" b="0" i="0" u="none" strike="noStrike" cap="none" normalizeH="0" baseline="0" smtClean="0">
+                        <a:rPr kumimoji="0" lang="en-US" sz="1800" b="0" i="0" u="none" strike="noStrike" cap="none" normalizeH="0" baseline="0">
                           <a:ln>
                             <a:noFill/>
                           </a:ln>
@@ -7526,7 +7445,7 @@
                         <a:tabLst/>
                       </a:pPr>
                       <a:r>
-                        <a:rPr kumimoji="0" lang="en-US" sz="1800" b="0" i="0" u="none" strike="noStrike" cap="none" normalizeH="0" baseline="0" smtClean="0">
+                        <a:rPr kumimoji="0" lang="en-US" sz="1800" b="0" i="0" u="none" strike="noStrike" cap="none" normalizeH="0" baseline="0">
                           <a:ln>
                             <a:noFill/>
                           </a:ln>
@@ -7610,7 +7529,7 @@
                         <a:tabLst/>
                       </a:pPr>
                       <a:r>
-                        <a:rPr kumimoji="0" lang="en-US" sz="1800" b="0" i="0" u="none" strike="noStrike" cap="none" normalizeH="0" baseline="0" smtClean="0">
+                        <a:rPr kumimoji="0" lang="en-US" sz="1800" b="0" i="0" u="none" strike="noStrike" cap="none" normalizeH="0" baseline="0">
                           <a:ln>
                             <a:noFill/>
                           </a:ln>
@@ -7670,6 +7589,11 @@
                     <a:noFill/>
                   </a:tcPr>
                 </a:tc>
+                <a:extLst>
+                  <a:ext uri="{0D108BD9-81ED-4DB2-BD59-A6C34878D82A}">
+                    <a16:rowId xmlns:a16="http://schemas.microsoft.com/office/drawing/2014/main" val="10002"/>
+                  </a:ext>
+                </a:extLst>
               </a:tr>
               <a:tr h="515587">
                 <a:tc>
@@ -7696,7 +7620,7 @@
                         <a:tabLst/>
                       </a:pPr>
                       <a:r>
-                        <a:rPr kumimoji="0" lang="en-US" sz="1600" b="1" i="0" u="none" strike="noStrike" cap="none" normalizeH="0" baseline="0" smtClean="0">
+                        <a:rPr kumimoji="0" lang="en-US" sz="1600" b="1" i="0" u="none" strike="noStrike" cap="none" normalizeH="0" baseline="0">
                           <a:ln>
                             <a:noFill/>
                           </a:ln>
@@ -7780,7 +7704,7 @@
                         <a:tabLst/>
                       </a:pPr>
                       <a:r>
-                        <a:rPr kumimoji="0" lang="en-US" sz="1800" b="0" i="0" u="none" strike="noStrike" cap="none" normalizeH="0" baseline="0" smtClean="0">
+                        <a:rPr kumimoji="0" lang="en-US" sz="1800" b="0" i="0" u="none" strike="noStrike" cap="none" normalizeH="0" baseline="0">
                           <a:ln>
                             <a:noFill/>
                           </a:ln>
@@ -7864,7 +7788,7 @@
                         <a:tabLst/>
                       </a:pPr>
                       <a:r>
-                        <a:rPr kumimoji="0" lang="en-US" sz="1800" b="0" i="0" u="none" strike="noStrike" cap="none" normalizeH="0" baseline="0" smtClean="0">
+                        <a:rPr kumimoji="0" lang="en-US" sz="1800" b="0" i="0" u="none" strike="noStrike" cap="none" normalizeH="0" baseline="0">
                           <a:ln>
                             <a:noFill/>
                           </a:ln>
@@ -7948,7 +7872,7 @@
                         <a:tabLst/>
                       </a:pPr>
                       <a:r>
-                        <a:rPr kumimoji="0" lang="en-US" sz="1800" b="0" i="0" u="none" strike="noStrike" cap="none" normalizeH="0" baseline="0" smtClean="0">
+                        <a:rPr kumimoji="0" lang="en-US" sz="1800" b="0" i="0" u="none" strike="noStrike" cap="none" normalizeH="0" baseline="0">
                           <a:ln>
                             <a:noFill/>
                           </a:ln>
@@ -8008,6 +7932,11 @@
                     <a:noFill/>
                   </a:tcPr>
                 </a:tc>
+                <a:extLst>
+                  <a:ext uri="{0D108BD9-81ED-4DB2-BD59-A6C34878D82A}">
+                    <a16:rowId xmlns:a16="http://schemas.microsoft.com/office/drawing/2014/main" val="10003"/>
+                  </a:ext>
+                </a:extLst>
               </a:tr>
               <a:tr h="530792">
                 <a:tc>
@@ -8034,7 +7963,7 @@
                         <a:tabLst/>
                       </a:pPr>
                       <a:r>
-                        <a:rPr kumimoji="0" lang="en-US" sz="1600" b="1" i="0" u="none" strike="noStrike" cap="none" normalizeH="0" baseline="0" smtClean="0">
+                        <a:rPr kumimoji="0" lang="en-US" sz="1600" b="1" i="0" u="none" strike="noStrike" cap="none" normalizeH="0" baseline="0">
                           <a:ln>
                             <a:noFill/>
                           </a:ln>
@@ -8118,7 +8047,7 @@
                         <a:tabLst/>
                       </a:pPr>
                       <a:r>
-                        <a:rPr kumimoji="0" lang="en-US" sz="1800" b="0" i="0" u="none" strike="noStrike" cap="none" normalizeH="0" baseline="0" smtClean="0">
+                        <a:rPr kumimoji="0" lang="en-US" sz="1800" b="0" i="0" u="none" strike="noStrike" cap="none" normalizeH="0" baseline="0">
                           <a:ln>
                             <a:noFill/>
                           </a:ln>
@@ -8202,7 +8131,7 @@
                         <a:tabLst/>
                       </a:pPr>
                       <a:r>
-                        <a:rPr kumimoji="0" lang="en-US" sz="1800" b="0" i="0" u="none" strike="noStrike" cap="none" normalizeH="0" baseline="0" smtClean="0">
+                        <a:rPr kumimoji="0" lang="en-US" sz="1800" b="0" i="0" u="none" strike="noStrike" cap="none" normalizeH="0" baseline="0">
                           <a:ln>
                             <a:noFill/>
                           </a:ln>
@@ -8286,7 +8215,7 @@
                         <a:tabLst/>
                       </a:pPr>
                       <a:r>
-                        <a:rPr kumimoji="0" lang="en-US" sz="1800" b="0" i="0" u="none" strike="noStrike" cap="none" normalizeH="0" baseline="0" smtClean="0">
+                        <a:rPr kumimoji="0" lang="en-US" sz="1800" b="0" i="0" u="none" strike="noStrike" cap="none" normalizeH="0" baseline="0">
                           <a:ln>
                             <a:noFill/>
                           </a:ln>
@@ -8346,6 +8275,11 @@
                     <a:noFill/>
                   </a:tcPr>
                 </a:tc>
+                <a:extLst>
+                  <a:ext uri="{0D108BD9-81ED-4DB2-BD59-A6C34878D82A}">
+                    <a16:rowId xmlns:a16="http://schemas.microsoft.com/office/drawing/2014/main" val="10004"/>
+                  </a:ext>
+                </a:extLst>
               </a:tr>
               <a:tr h="529410">
                 <a:tc>
@@ -8372,7 +8306,7 @@
                         <a:tabLst/>
                       </a:pPr>
                       <a:r>
-                        <a:rPr kumimoji="0" lang="en-US" sz="1600" b="1" i="0" u="none" strike="noStrike" cap="none" normalizeH="0" baseline="0" smtClean="0">
+                        <a:rPr kumimoji="0" lang="en-US" sz="1600" b="1" i="0" u="none" strike="noStrike" cap="none" normalizeH="0" baseline="0">
                           <a:ln>
                             <a:noFill/>
                           </a:ln>
@@ -8456,7 +8390,7 @@
                         <a:tabLst/>
                       </a:pPr>
                       <a:r>
-                        <a:rPr kumimoji="0" lang="en-US" sz="1800" b="0" i="0" u="none" strike="noStrike" cap="none" normalizeH="0" baseline="0" smtClean="0">
+                        <a:rPr kumimoji="0" lang="en-US" sz="1800" b="0" i="0" u="none" strike="noStrike" cap="none" normalizeH="0" baseline="0">
                           <a:ln>
                             <a:noFill/>
                           </a:ln>
@@ -8540,7 +8474,7 @@
                         <a:tabLst/>
                       </a:pPr>
                       <a:r>
-                        <a:rPr kumimoji="0" lang="en-US" sz="1800" b="0" i="0" u="none" strike="noStrike" cap="none" normalizeH="0" baseline="0" smtClean="0">
+                        <a:rPr kumimoji="0" lang="en-US" sz="1800" b="0" i="0" u="none" strike="noStrike" cap="none" normalizeH="0" baseline="0">
                           <a:ln>
                             <a:noFill/>
                           </a:ln>
@@ -8624,7 +8558,7 @@
                         <a:tabLst/>
                       </a:pPr>
                       <a:r>
-                        <a:rPr kumimoji="0" lang="en-US" sz="1800" b="0" i="0" u="none" strike="noStrike" cap="none" normalizeH="0" baseline="0" smtClean="0">
+                        <a:rPr kumimoji="0" lang="en-US" sz="1800" b="0" i="0" u="none" strike="noStrike" cap="none" normalizeH="0" baseline="0">
                           <a:ln>
                             <a:noFill/>
                           </a:ln>
@@ -8684,6 +8618,11 @@
                     <a:noFill/>
                   </a:tcPr>
                 </a:tc>
+                <a:extLst>
+                  <a:ext uri="{0D108BD9-81ED-4DB2-BD59-A6C34878D82A}">
+                    <a16:rowId xmlns:a16="http://schemas.microsoft.com/office/drawing/2014/main" val="10005"/>
+                  </a:ext>
+                </a:extLst>
               </a:tr>
               <a:tr h="529410">
                 <a:tc>
@@ -8710,7 +8649,7 @@
                         <a:tabLst/>
                       </a:pPr>
                       <a:r>
-                        <a:rPr kumimoji="0" lang="en-US" sz="1600" b="1" i="0" u="none" strike="noStrike" cap="none" normalizeH="0" baseline="0" smtClean="0">
+                        <a:rPr kumimoji="0" lang="en-US" sz="1600" b="1" i="0" u="none" strike="noStrike" cap="none" normalizeH="0" baseline="0">
                           <a:ln>
                             <a:noFill/>
                           </a:ln>
@@ -8794,7 +8733,7 @@
                         <a:tabLst/>
                       </a:pPr>
                       <a:r>
-                        <a:rPr kumimoji="0" lang="en-US" sz="1800" b="0" i="0" u="none" strike="noStrike" cap="none" normalizeH="0" baseline="0" smtClean="0">
+                        <a:rPr kumimoji="0" lang="en-US" sz="1800" b="0" i="0" u="none" strike="noStrike" cap="none" normalizeH="0" baseline="0">
                           <a:ln>
                             <a:noFill/>
                           </a:ln>
@@ -8878,7 +8817,7 @@
                         <a:tabLst/>
                       </a:pPr>
                       <a:r>
-                        <a:rPr kumimoji="0" lang="en-US" sz="1800" b="0" i="0" u="none" strike="noStrike" cap="none" normalizeH="0" baseline="0" smtClean="0">
+                        <a:rPr kumimoji="0" lang="en-US" sz="1800" b="0" i="0" u="none" strike="noStrike" cap="none" normalizeH="0" baseline="0">
                           <a:ln>
                             <a:noFill/>
                           </a:ln>
@@ -8962,7 +8901,7 @@
                         <a:tabLst/>
                       </a:pPr>
                       <a:r>
-                        <a:rPr kumimoji="0" lang="en-US" sz="1800" b="0" i="0" u="none" strike="noStrike" cap="none" normalizeH="0" baseline="0" smtClean="0">
+                        <a:rPr kumimoji="0" lang="en-US" sz="1800" b="0" i="0" u="none" strike="noStrike" cap="none" normalizeH="0" baseline="0">
                           <a:ln>
                             <a:noFill/>
                           </a:ln>
@@ -9022,6 +8961,11 @@
                     <a:noFill/>
                   </a:tcPr>
                 </a:tc>
+                <a:extLst>
+                  <a:ext uri="{0D108BD9-81ED-4DB2-BD59-A6C34878D82A}">
+                    <a16:rowId xmlns:a16="http://schemas.microsoft.com/office/drawing/2014/main" val="10006"/>
+                  </a:ext>
+                </a:extLst>
               </a:tr>
               <a:tr h="566284">
                 <a:tc>
@@ -9048,7 +8992,7 @@
                         <a:tabLst/>
                       </a:pPr>
                       <a:r>
-                        <a:rPr kumimoji="0" lang="en-US" sz="1600" b="1" i="0" u="none" strike="noStrike" cap="none" normalizeH="0" baseline="0" smtClean="0">
+                        <a:rPr kumimoji="0" lang="en-US" sz="1600" b="1" i="0" u="none" strike="noStrike" cap="none" normalizeH="0" baseline="0">
                           <a:ln>
                             <a:noFill/>
                           </a:ln>
@@ -9132,7 +9076,7 @@
                         <a:tabLst/>
                       </a:pPr>
                       <a:r>
-                        <a:rPr kumimoji="0" lang="en-US" sz="1800" b="0" i="0" u="none" strike="noStrike" cap="none" normalizeH="0" baseline="0" dirty="0" smtClean="0">
+                        <a:rPr kumimoji="0" lang="en-US" sz="1800" b="0" i="0" u="none" strike="noStrike" cap="none" normalizeH="0" baseline="0" dirty="0">
                           <a:ln>
                             <a:noFill/>
                           </a:ln>
@@ -9216,7 +9160,7 @@
                         <a:tabLst/>
                       </a:pPr>
                       <a:r>
-                        <a:rPr kumimoji="0" lang="en-US" sz="1800" b="0" i="0" u="none" strike="noStrike" cap="none" normalizeH="0" baseline="0" smtClean="0">
+                        <a:rPr kumimoji="0" lang="en-US" sz="1800" b="0" i="0" u="none" strike="noStrike" cap="none" normalizeH="0" baseline="0">
                           <a:ln>
                             <a:noFill/>
                           </a:ln>
@@ -9300,7 +9244,7 @@
                         <a:tabLst/>
                       </a:pPr>
                       <a:r>
-                        <a:rPr kumimoji="0" lang="en-US" sz="1800" b="0" i="0" u="none" strike="noStrike" cap="none" normalizeH="0" baseline="0" dirty="0" smtClean="0">
+                        <a:rPr kumimoji="0" lang="en-US" sz="1800" b="0" i="0" u="none" strike="noStrike" cap="none" normalizeH="0" baseline="0" dirty="0">
                           <a:ln>
                             <a:noFill/>
                           </a:ln>
@@ -9360,6 +9304,11 @@
                     <a:noFill/>
                   </a:tcPr>
                 </a:tc>
+                <a:extLst>
+                  <a:ext uri="{0D108BD9-81ED-4DB2-BD59-A6C34878D82A}">
+                    <a16:rowId xmlns:a16="http://schemas.microsoft.com/office/drawing/2014/main" val="10007"/>
+                  </a:ext>
+                </a:extLst>
               </a:tr>
             </a:tbl>
           </a:graphicData>
@@ -9424,7 +9373,7 @@
               <a:pPr/>
               <a:t>3</a:t>
             </a:fld>
-            <a:endParaRPr lang="en-US" smtClean="0"/>
+            <a:endParaRPr lang="en-US"/>
           </a:p>
         </p:txBody>
       </p:sp>
@@ -9548,35 +9497,35 @@
               <a:buNone/>
             </a:pPr>
             <a:r>
-              <a:rPr lang="en-US" smtClean="0"/>
+              <a:rPr lang="en-US"/>
               <a:t>By the end of this chapter, you should:</a:t>
             </a:r>
           </a:p>
           <a:p>
             <a:pPr eaLnBrk="1" hangingPunct="1"/>
             <a:r>
-              <a:rPr lang="en-US" smtClean="0"/>
+              <a:rPr lang="en-US"/>
               <a:t>Understand what is meant by engineering design.</a:t>
             </a:r>
           </a:p>
           <a:p>
             <a:pPr eaLnBrk="1" hangingPunct="1"/>
             <a:r>
-              <a:rPr lang="en-US" smtClean="0"/>
+              <a:rPr lang="en-US"/>
               <a:t>Understand the phases of the engineering design process.</a:t>
             </a:r>
           </a:p>
           <a:p>
             <a:pPr eaLnBrk="1" hangingPunct="1"/>
             <a:r>
-              <a:rPr lang="en-US" smtClean="0"/>
+              <a:rPr lang="en-US"/>
               <a:t>Be familiar with the attributes of successful engineers.</a:t>
             </a:r>
           </a:p>
           <a:p>
             <a:pPr eaLnBrk="1" hangingPunct="1"/>
             <a:r>
-              <a:rPr lang="en-US" smtClean="0"/>
+              <a:rPr lang="en-US"/>
               <a:t>Understand the objectives of this book. </a:t>
             </a:r>
           </a:p>
@@ -9613,7 +9562,7 @@
               <a:pPr/>
               <a:t>4</a:t>
             </a:fld>
-            <a:endParaRPr lang="en-US" smtClean="0"/>
+            <a:endParaRPr lang="en-US"/>
           </a:p>
         </p:txBody>
       </p:sp>
@@ -10013,7 +9962,7 @@
               <a:pPr/>
               <a:t>5</a:t>
             </a:fld>
-            <a:endParaRPr lang="en-US" smtClean="0"/>
+            <a:endParaRPr lang="en-US"/>
           </a:p>
         </p:txBody>
       </p:sp>
@@ -10050,13 +9999,6 @@
   <p:clrMapOvr>
     <a:masterClrMapping/>
   </p:clrMapOvr>
-  <p:timing>
-    <p:tnLst>
-      <p:par>
-        <p:cTn id="1" dur="indefinite" restart="never" nodeType="tmRoot"/>
-      </p:par>
-    </p:tnLst>
-  </p:timing>
 </p:sld>
 </file>
 
@@ -10097,7 +10039,7 @@
               <a:buNone/>
             </a:pPr>
             <a:r>
-              <a:rPr lang="en-US" smtClean="0"/>
+              <a:rPr lang="en-US"/>
               <a:t>What is a design process? </a:t>
             </a:r>
           </a:p>
@@ -10134,7 +10076,7 @@
               <a:pPr/>
               <a:t>6</a:t>
             </a:fld>
-            <a:endParaRPr lang="en-US" smtClean="0"/>
+            <a:endParaRPr lang="en-US"/>
           </a:p>
         </p:txBody>
       </p:sp>
@@ -10162,12 +10104,8 @@
               <a:defRPr/>
             </a:pPr>
             <a:r>
-              <a:rPr lang="en-US" dirty="0" smtClean="0"/>
-              <a:t>1.1 Engineering Design </a:t>
-            </a:r>
-            <a:r>
               <a:rPr lang="en-US" dirty="0"/>
-              <a:t>Processes</a:t>
+              <a:t>1.1 Engineering Design Processes</a:t>
             </a:r>
           </a:p>
         </p:txBody>
@@ -10177,13 +10115,6 @@
   <p:clrMapOvr>
     <a:masterClrMapping/>
   </p:clrMapOvr>
-  <p:timing>
-    <p:tnLst>
-      <p:par>
-        <p:cTn id="1" dur="indefinite" restart="never" nodeType="tmRoot"/>
-      </p:par>
-    </p:tnLst>
-  </p:timing>
 </p:sld>
 </file>
 
@@ -10224,7 +10155,7 @@
               <a:buNone/>
             </a:pPr>
             <a:r>
-              <a:rPr lang="en-US" smtClean="0"/>
+              <a:rPr lang="en-US"/>
               <a:t>Prescriptive</a:t>
             </a:r>
           </a:p>
@@ -10233,28 +10164,28 @@
               <a:buFont typeface="Wingdings" pitchFamily="2" charset="2"/>
               <a:buNone/>
             </a:pPr>
-            <a:endParaRPr lang="en-US" smtClean="0"/>
+            <a:endParaRPr lang="en-US"/>
           </a:p>
           <a:p>
             <a:pPr eaLnBrk="1" hangingPunct="1">
               <a:buFont typeface="Wingdings" pitchFamily="2" charset="2"/>
               <a:buNone/>
             </a:pPr>
-            <a:endParaRPr lang="en-US" smtClean="0"/>
+            <a:endParaRPr lang="en-US"/>
           </a:p>
           <a:p>
             <a:pPr eaLnBrk="1" hangingPunct="1">
               <a:buFont typeface="Wingdings" pitchFamily="2" charset="2"/>
               <a:buNone/>
             </a:pPr>
-            <a:endParaRPr lang="en-US" smtClean="0"/>
+            <a:endParaRPr lang="en-US"/>
           </a:p>
           <a:p>
             <a:pPr eaLnBrk="1" hangingPunct="1">
               <a:buFont typeface="Wingdings" pitchFamily="2" charset="2"/>
               <a:buNone/>
             </a:pPr>
-            <a:endParaRPr lang="en-US" smtClean="0"/>
+            <a:endParaRPr lang="en-US"/>
           </a:p>
           <a:p>
             <a:pPr eaLnBrk="1" hangingPunct="1">
@@ -10262,83 +10193,8 @@
               <a:buNone/>
             </a:pPr>
             <a:r>
-              <a:rPr lang="en-US" smtClean="0"/>
+              <a:rPr lang="en-US"/>
               <a:t>Descriptive</a:t>
-            </a:r>
-          </a:p>
-        </p:txBody>
-      </p:sp>
-      <p:sp>
-        <p:nvSpPr>
-          <p:cNvPr id="10243" name="Date Placeholder 3"/>
-          <p:cNvSpPr>
-            <a:spLocks noGrp="1"/>
-          </p:cNvSpPr>
-          <p:nvPr>
-            <p:ph type="dt" sz="quarter" idx="10"/>
-          </p:nvPr>
-        </p:nvSpPr>
-        <p:spPr bwMode="auto">
-          <a:noFill/>
-          <a:ln>
-            <a:miter lim="800000"/>
-            <a:headEnd/>
-            <a:tailEnd/>
-          </a:ln>
-        </p:spPr>
-        <p:txBody>
-          <a:bodyPr vert="horz" wrap="square" lIns="91440" tIns="45720" rIns="91440" bIns="45720" numCol="1" anchor="t" anchorCtr="0" compatLnSpc="1">
-            <a:prstTxWarp prst="textNoShape">
-              <a:avLst/>
-            </a:prstTxWarp>
-          </a:bodyPr>
-          <a:lstStyle/>
-          <a:p>
-            <a:endParaRPr lang="en-US" smtClean="0"/>
-          </a:p>
-          <a:p>
-            <a:r>
-              <a:rPr lang="en-US" smtClean="0"/>
-              <a:t>Design for Electrical and Computer Engineers, published by McGraw-Hill</a:t>
-            </a:r>
-          </a:p>
-        </p:txBody>
-      </p:sp>
-      <p:sp>
-        <p:nvSpPr>
-          <p:cNvPr id="10244" name="Footer Placeholder 4"/>
-          <p:cNvSpPr>
-            <a:spLocks noGrp="1"/>
-          </p:cNvSpPr>
-          <p:nvPr>
-            <p:ph type="ftr" sz="quarter" idx="11"/>
-          </p:nvPr>
-        </p:nvSpPr>
-        <p:spPr bwMode="auto">
-          <a:noFill/>
-          <a:ln>
-            <a:miter lim="800000"/>
-            <a:headEnd/>
-            <a:tailEnd/>
-          </a:ln>
-        </p:spPr>
-        <p:txBody>
-          <a:bodyPr vert="horz" wrap="square" lIns="91440" tIns="45720" rIns="91440" bIns="45720" numCol="1" anchor="t" anchorCtr="0" compatLnSpc="1">
-            <a:prstTxWarp prst="textNoShape">
-              <a:avLst/>
-            </a:prstTxWarp>
-          </a:bodyPr>
-          <a:lstStyle/>
-          <a:p>
-            <a:r>
-              <a:rPr lang="en-US" smtClean="0"/>
-              <a:t>Copyright 2007 </a:t>
-            </a:r>
-          </a:p>
-          <a:p>
-            <a:r>
-              <a:rPr lang="en-US" smtClean="0"/>
-              <a:t>Ralph M. Ford and Chris Coulston</a:t>
             </a:r>
           </a:p>
         </p:txBody>
@@ -10374,7 +10230,7 @@
               <a:pPr/>
               <a:t>7</a:t>
             </a:fld>
-            <a:endParaRPr lang="en-US" smtClean="0"/>
+            <a:endParaRPr lang="en-US"/>
           </a:p>
         </p:txBody>
       </p:sp>
@@ -10413,13 +10269,6 @@
   <p:clrMapOvr>
     <a:masterClrMapping/>
   </p:clrMapOvr>
-  <p:timing>
-    <p:tnLst>
-      <p:par>
-        <p:cTn id="1" dur="indefinite" restart="never" nodeType="tmRoot"/>
-      </p:par>
-    </p:tnLst>
-  </p:timing>
 </p:sld>
 </file>
 
@@ -10471,7 +10320,7 @@
               <a:pPr/>
               <a:t>8</a:t>
             </a:fld>
-            <a:endParaRPr lang="en-US" smtClean="0"/>
+            <a:endParaRPr lang="en-US"/>
           </a:p>
         </p:txBody>
       </p:sp>
@@ -10540,13 +10389,6 @@
   <p:clrMapOvr>
     <a:masterClrMapping/>
   </p:clrMapOvr>
-  <p:timing>
-    <p:tnLst>
-      <p:par>
-        <p:cTn id="1" dur="indefinite" restart="never" nodeType="tmRoot"/>
-      </p:par>
-    </p:tnLst>
-  </p:timing>
 </p:sld>
 </file>
 
@@ -10598,7 +10440,7 @@
               <a:pPr/>
               <a:t>9</a:t>
             </a:fld>
-            <a:endParaRPr lang="en-US" smtClean="0"/>
+            <a:endParaRPr lang="en-US"/>
           </a:p>
         </p:txBody>
       </p:sp>
@@ -10672,13 +10514,6 @@
   <p:clrMapOvr>
     <a:masterClrMapping/>
   </p:clrMapOvr>
-  <p:timing>
-    <p:tnLst>
-      <p:par>
-        <p:cTn id="1" dur="indefinite" restart="never" nodeType="tmRoot"/>
-      </p:par>
-    </p:tnLst>
-  </p:timing>
 </p:sld>
 </file>
 
